--- a/Windy_design_review.pptx
+++ b/Windy_design_review.pptx
@@ -8,6 +8,7 @@
     <p:sldId id="256" r:id="rId2"/>
     <p:sldId id="257" r:id="rId3"/>
     <p:sldId id="258" r:id="rId4"/>
+    <p:sldId id="259" r:id="rId5"/>
   </p:sldIdLst>
   <p:sldSz cx="12192000" cy="6858000"/>
   <p:notesSz cx="6858000" cy="9144000"/>
@@ -114,12 +115,171 @@
             <p14:sldId id="256"/>
             <p14:sldId id="257"/>
             <p14:sldId id="258"/>
+            <p14:sldId id="259"/>
           </p14:sldIdLst>
         </p14:section>
       </p14:sectionLst>
     </p:ext>
+    <p:ext uri="{EFAFB233-063F-42B5-8137-9DF3F51BA10A}">
+      <p15:sldGuideLst xmlns:p15="http://schemas.microsoft.com/office/powerpoint/2012/main"/>
+    </p:ext>
   </p:extLst>
 </p:presentation>
+</file>
+
+<file path=ppt/revisionInfo.xml><?xml version="1.0" encoding="utf-8"?>
+<p1510:revInfo xmlns:a="http://schemas.openxmlformats.org/drawingml/2006/main" xmlns:r="http://schemas.openxmlformats.org/officeDocument/2006/relationships" xmlns:p1510="http://schemas.microsoft.com/office/powerpoint/2015/10/main">
+  <p1510:revLst>
+    <p1510:client id="{DC5119B6-96B2-4393-A8D9-8E495E8A44D7}" v="12" dt="2025-04-16T02:24:56.867"/>
+  </p1510:revLst>
+</p1510:revInfo>
+</file>
+
+<file path=ppt/changesInfos/changesInfo1.xml><?xml version="1.0" encoding="utf-8"?>
+<pc:chgInfo xmlns:a="http://schemas.openxmlformats.org/drawingml/2006/main" xmlns:r="http://schemas.openxmlformats.org/officeDocument/2006/relationships" xmlns:ac="http://schemas.microsoft.com/office/drawing/2013/main/command" xmlns:pc="http://schemas.microsoft.com/office/powerpoint/2013/main/command">
+  <pc:docChgLst>
+    <pc:chgData name="rami lameche" userId="90e43311d231e8ce" providerId="LiveId" clId="{DC5119B6-96B2-4393-A8D9-8E495E8A44D7}"/>
+    <pc:docChg chg="undo custSel addSld modSld modSection">
+      <pc:chgData name="rami lameche" userId="90e43311d231e8ce" providerId="LiveId" clId="{DC5119B6-96B2-4393-A8D9-8E495E8A44D7}" dt="2025-04-16T02:25:04.101" v="264" actId="14100"/>
+      <pc:docMkLst>
+        <pc:docMk/>
+      </pc:docMkLst>
+      <pc:sldChg chg="modSp mod">
+        <pc:chgData name="rami lameche" userId="90e43311d231e8ce" providerId="LiveId" clId="{DC5119B6-96B2-4393-A8D9-8E495E8A44D7}" dt="2025-04-16T02:22:53.450" v="219" actId="20577"/>
+        <pc:sldMkLst>
+          <pc:docMk/>
+          <pc:sldMk cId="3518714261" sldId="257"/>
+        </pc:sldMkLst>
+        <pc:spChg chg="mod">
+          <ac:chgData name="rami lameche" userId="90e43311d231e8ce" providerId="LiveId" clId="{DC5119B6-96B2-4393-A8D9-8E495E8A44D7}" dt="2025-04-16T02:22:53.450" v="219" actId="20577"/>
+          <ac:spMkLst>
+            <pc:docMk/>
+            <pc:sldMk cId="3518714261" sldId="257"/>
+            <ac:spMk id="3" creationId="{4F6DE51F-7487-378F-003C-1E3A584EE205}"/>
+          </ac:spMkLst>
+        </pc:spChg>
+      </pc:sldChg>
+      <pc:sldChg chg="addSp delSp modSp mod setBg">
+        <pc:chgData name="rami lameche" userId="90e43311d231e8ce" providerId="LiveId" clId="{DC5119B6-96B2-4393-A8D9-8E495E8A44D7}" dt="2025-04-16T02:25:04.101" v="264" actId="14100"/>
+        <pc:sldMkLst>
+          <pc:docMk/>
+          <pc:sldMk cId="4040071769" sldId="258"/>
+        </pc:sldMkLst>
+        <pc:spChg chg="mod">
+          <ac:chgData name="rami lameche" userId="90e43311d231e8ce" providerId="LiveId" clId="{DC5119B6-96B2-4393-A8D9-8E495E8A44D7}" dt="2025-04-16T02:24:00.760" v="255" actId="20577"/>
+          <ac:spMkLst>
+            <pc:docMk/>
+            <pc:sldMk cId="4040071769" sldId="258"/>
+            <ac:spMk id="2" creationId="{6D360928-DCD4-22E5-F2B4-513EA80E2C8E}"/>
+          </ac:spMkLst>
+        </pc:spChg>
+        <pc:spChg chg="del mod">
+          <ac:chgData name="rami lameche" userId="90e43311d231e8ce" providerId="LiveId" clId="{DC5119B6-96B2-4393-A8D9-8E495E8A44D7}" dt="2025-04-16T02:20:04.118" v="99"/>
+          <ac:spMkLst>
+            <pc:docMk/>
+            <pc:sldMk cId="4040071769" sldId="258"/>
+            <ac:spMk id="3" creationId="{8B70CFD4-080E-38D6-9B73-F91543ACD2EF}"/>
+          </ac:spMkLst>
+        </pc:spChg>
+        <pc:spChg chg="add mod">
+          <ac:chgData name="rami lameche" userId="90e43311d231e8ce" providerId="LiveId" clId="{DC5119B6-96B2-4393-A8D9-8E495E8A44D7}" dt="2025-04-16T02:25:04.101" v="264" actId="14100"/>
+          <ac:spMkLst>
+            <pc:docMk/>
+            <pc:sldMk cId="4040071769" sldId="258"/>
+            <ac:spMk id="5" creationId="{C56DA688-F03F-A0FA-4DBB-DFD71667E8BA}"/>
+          </ac:spMkLst>
+        </pc:spChg>
+        <pc:spChg chg="add del">
+          <ac:chgData name="rami lameche" userId="90e43311d231e8ce" providerId="LiveId" clId="{DC5119B6-96B2-4393-A8D9-8E495E8A44D7}" dt="2025-04-16T02:19:37.679" v="91" actId="26606"/>
+          <ac:spMkLst>
+            <pc:docMk/>
+            <pc:sldMk cId="4040071769" sldId="258"/>
+            <ac:spMk id="1031" creationId="{F13C74B1-5B17-4795-BED0-7140497B445A}"/>
+          </ac:spMkLst>
+        </pc:spChg>
+        <pc:spChg chg="add del">
+          <ac:chgData name="rami lameche" userId="90e43311d231e8ce" providerId="LiveId" clId="{DC5119B6-96B2-4393-A8D9-8E495E8A44D7}" dt="2025-04-16T02:19:37.679" v="91" actId="26606"/>
+          <ac:spMkLst>
+            <pc:docMk/>
+            <pc:sldMk cId="4040071769" sldId="258"/>
+            <ac:spMk id="1033" creationId="{D4974D33-8DC5-464E-8C6D-BE58F0669C17}"/>
+          </ac:spMkLst>
+        </pc:spChg>
+        <pc:spChg chg="add del">
+          <ac:chgData name="rami lameche" userId="90e43311d231e8ce" providerId="LiveId" clId="{DC5119B6-96B2-4393-A8D9-8E495E8A44D7}" dt="2025-04-16T02:19:57.093" v="95" actId="26606"/>
+          <ac:spMkLst>
+            <pc:docMk/>
+            <pc:sldMk cId="4040071769" sldId="258"/>
+            <ac:spMk id="1035" creationId="{55222F96-971A-4F90-B841-6BAB416C7AC1}"/>
+          </ac:spMkLst>
+        </pc:spChg>
+        <pc:spChg chg="add del">
+          <ac:chgData name="rami lameche" userId="90e43311d231e8ce" providerId="LiveId" clId="{DC5119B6-96B2-4393-A8D9-8E495E8A44D7}" dt="2025-04-16T02:19:57.093" v="95" actId="26606"/>
+          <ac:spMkLst>
+            <pc:docMk/>
+            <pc:sldMk cId="4040071769" sldId="258"/>
+            <ac:spMk id="1036" creationId="{DBC6133C-0615-4CE4-9132-37E609A9BDFA}"/>
+          </ac:spMkLst>
+        </pc:spChg>
+        <pc:spChg chg="add del">
+          <ac:chgData name="rami lameche" userId="90e43311d231e8ce" providerId="LiveId" clId="{DC5119B6-96B2-4393-A8D9-8E495E8A44D7}" dt="2025-04-16T02:19:57.093" v="95" actId="26606"/>
+          <ac:spMkLst>
+            <pc:docMk/>
+            <pc:sldMk cId="4040071769" sldId="258"/>
+            <ac:spMk id="1037" creationId="{08980754-6F4B-43C9-B9BE-127B6BED6586}"/>
+          </ac:spMkLst>
+        </pc:spChg>
+        <pc:spChg chg="add del">
+          <ac:chgData name="rami lameche" userId="90e43311d231e8ce" providerId="LiveId" clId="{DC5119B6-96B2-4393-A8D9-8E495E8A44D7}" dt="2025-04-16T02:19:57.093" v="95" actId="26606"/>
+          <ac:spMkLst>
+            <pc:docMk/>
+            <pc:sldMk cId="4040071769" sldId="258"/>
+            <ac:spMk id="1038" creationId="{169CC832-2974-4E8D-90ED-3E2941BA7336}"/>
+          </ac:spMkLst>
+        </pc:spChg>
+        <pc:spChg chg="add del">
+          <ac:chgData name="rami lameche" userId="90e43311d231e8ce" providerId="LiveId" clId="{DC5119B6-96B2-4393-A8D9-8E495E8A44D7}" dt="2025-04-16T02:19:57.093" v="95" actId="26606"/>
+          <ac:spMkLst>
+            <pc:docMk/>
+            <pc:sldMk cId="4040071769" sldId="258"/>
+            <ac:spMk id="1039" creationId="{2C1BBA94-3F40-40AA-8BB9-E69E25E537C1}"/>
+          </ac:spMkLst>
+        </pc:spChg>
+        <pc:picChg chg="add mod">
+          <ac:chgData name="rami lameche" userId="90e43311d231e8ce" providerId="LiveId" clId="{DC5119B6-96B2-4393-A8D9-8E495E8A44D7}" dt="2025-04-16T02:19:57.375" v="96" actId="14100"/>
+          <ac:picMkLst>
+            <pc:docMk/>
+            <pc:sldMk cId="4040071769" sldId="258"/>
+            <ac:picMk id="1026" creationId="{0016D4CC-530D-D4D7-FB8B-0AA7DCB0FA8E}"/>
+          </ac:picMkLst>
+        </pc:picChg>
+        <pc:picChg chg="add mod">
+          <ac:chgData name="rami lameche" userId="90e43311d231e8ce" providerId="LiveId" clId="{DC5119B6-96B2-4393-A8D9-8E495E8A44D7}" dt="2025-04-16T02:24:56.866" v="262" actId="1076"/>
+          <ac:picMkLst>
+            <pc:docMk/>
+            <pc:sldMk cId="4040071769" sldId="258"/>
+            <ac:picMk id="1028" creationId="{1962FBC6-3F4C-5355-914C-302D7369F1C5}"/>
+          </ac:picMkLst>
+        </pc:picChg>
+      </pc:sldChg>
+      <pc:sldChg chg="modSp new mod">
+        <pc:chgData name="rami lameche" userId="90e43311d231e8ce" providerId="LiveId" clId="{DC5119B6-96B2-4393-A8D9-8E495E8A44D7}" dt="2025-04-16T02:23:45.766" v="226" actId="20577"/>
+        <pc:sldMkLst>
+          <pc:docMk/>
+          <pc:sldMk cId="3933805296" sldId="259"/>
+        </pc:sldMkLst>
+        <pc:spChg chg="mod">
+          <ac:chgData name="rami lameche" userId="90e43311d231e8ce" providerId="LiveId" clId="{DC5119B6-96B2-4393-A8D9-8E495E8A44D7}" dt="2025-04-16T02:23:45.766" v="226" actId="20577"/>
+          <ac:spMkLst>
+            <pc:docMk/>
+            <pc:sldMk cId="3933805296" sldId="259"/>
+            <ac:spMk id="2" creationId="{24E3122D-9411-2D1F-09A2-CB4F84BF02D4}"/>
+          </ac:spMkLst>
+        </pc:spChg>
+      </pc:sldChg>
+    </pc:docChg>
+  </pc:docChgLst>
+</pc:chgInfo>
 </file>
 
 <file path=ppt/slideLayouts/slideLayout1.xml><?xml version="1.0" encoding="utf-8"?>
@@ -3526,7 +3686,7 @@
         <p:spPr/>
         <p:txBody>
           <a:bodyPr>
-            <a:normAutofit/>
+            <a:normAutofit lnSpcReduction="10000"/>
           </a:bodyPr>
           <a:lstStyle/>
           <a:p>
@@ -3544,6 +3704,12 @@
           <a:p>
             <a:r>
               <a:rPr lang="en-US" dirty="0"/>
+              <a:t>Uses a differential pressure sensor and a normal pressure sensor.</a:t>
+            </a:r>
+          </a:p>
+          <a:p>
+            <a:r>
+              <a:rPr lang="en-US" dirty="0"/>
               <a:t>It has an HC-05 module, which is used to communicate with it wirelessly for up to 100m (Easier to check if it’s working).</a:t>
             </a:r>
           </a:p>
@@ -3570,6 +3736,9 @@
               <a:rPr lang="en-US" dirty="0"/>
               <a:t>Uses Arduino nano.</a:t>
             </a:r>
+          </a:p>
+          <a:p>
+            <a:endParaRPr lang="en-US" dirty="0"/>
           </a:p>
           <a:p>
             <a:endParaRPr lang="en-US" dirty="0"/>
@@ -3627,32 +3796,94 @@
           <a:bodyPr/>
           <a:lstStyle/>
           <a:p>
-            <a:endParaRPr lang="en-US"/>
-          </a:p>
-        </p:txBody>
-      </p:sp>
-      <p:sp>
-        <p:nvSpPr>
-          <p:cNvPr id="3" name="Content Placeholder 2">
-            <a:extLst>
-              <a:ext uri="{FF2B5EF4-FFF2-40B4-BE49-F238E27FC236}">
-                <a16:creationId xmlns:a16="http://schemas.microsoft.com/office/drawing/2014/main" id="{8B70CFD4-080E-38D6-9B73-F91543ACD2EF}"/>
-              </a:ext>
-            </a:extLst>
-          </p:cNvPr>
-          <p:cNvSpPr>
-            <a:spLocks noGrp="1"/>
-          </p:cNvSpPr>
+            <a:r>
+              <a:rPr lang="en-US" dirty="0"/>
+              <a:t>Wind velocity measurement</a:t>
+            </a:r>
+          </a:p>
+        </p:txBody>
+      </p:sp>
+      <p:pic>
+        <p:nvPicPr>
+          <p:cNvPr id="1028" name="Picture 4" descr="Pitot - Static Tube - Speedometer | Glenn Research Center | NASA">
+            <a:extLst>
+              <a:ext uri="{FF2B5EF4-FFF2-40B4-BE49-F238E27FC236}">
+                <a16:creationId xmlns:a16="http://schemas.microsoft.com/office/drawing/2014/main" id="{1962FBC6-3F4C-5355-914C-302D7369F1C5}"/>
+              </a:ext>
+            </a:extLst>
+          </p:cNvPr>
+          <p:cNvPicPr>
+            <a:picLocks noGrp="1" noChangeAspect="1" noChangeArrowheads="1"/>
+          </p:cNvPicPr>
           <p:nvPr>
             <p:ph idx="1"/>
           </p:nvPr>
-        </p:nvSpPr>
-        <p:spPr/>
-        <p:txBody>
-          <a:bodyPr/>
-          <a:lstStyle/>
-          <a:p>
-            <a:endParaRPr lang="en-US"/>
+        </p:nvPicPr>
+        <p:blipFill>
+          <a:blip r:embed="rId2">
+            <a:extLst>
+              <a:ext uri="{28A0092B-C50C-407E-A947-70E740481C1C}">
+                <a14:useLocalDpi xmlns:a14="http://schemas.microsoft.com/office/drawing/2010/main" val="0"/>
+              </a:ext>
+            </a:extLst>
+          </a:blip>
+          <a:srcRect/>
+          <a:stretch>
+            <a:fillRect/>
+          </a:stretch>
+        </p:blipFill>
+        <p:spPr bwMode="auto">
+          <a:xfrm>
+            <a:off x="1180719" y="1296740"/>
+            <a:ext cx="8982075" cy="5052418"/>
+          </a:xfrm>
+          <a:prstGeom prst="rect">
+            <a:avLst/>
+          </a:prstGeom>
+          <a:noFill/>
+          <a:extLst>
+            <a:ext uri="{909E8E84-426E-40DD-AFC4-6F175D3DCCD1}">
+              <a14:hiddenFill xmlns:a14="http://schemas.microsoft.com/office/drawing/2010/main">
+                <a:solidFill>
+                  <a:srgbClr val="FFFFFF"/>
+                </a:solidFill>
+              </a14:hiddenFill>
+            </a:ext>
+          </a:extLst>
+        </p:spPr>
+      </p:pic>
+      <p:sp>
+        <p:nvSpPr>
+          <p:cNvPr id="5" name="TextBox 4">
+            <a:extLst>
+              <a:ext uri="{FF2B5EF4-FFF2-40B4-BE49-F238E27FC236}">
+                <a16:creationId xmlns:a16="http://schemas.microsoft.com/office/drawing/2014/main" id="{C56DA688-F03F-A0FA-4DBB-DFD71667E8BA}"/>
+              </a:ext>
+            </a:extLst>
+          </p:cNvPr>
+          <p:cNvSpPr txBox="1"/>
+          <p:nvPr/>
+        </p:nvSpPr>
+        <p:spPr>
+          <a:xfrm>
+            <a:off x="1060704" y="5955210"/>
+            <a:ext cx="10735056" cy="369332"/>
+          </a:xfrm>
+          <a:prstGeom prst="rect">
+            <a:avLst/>
+          </a:prstGeom>
+          <a:noFill/>
+        </p:spPr>
+        <p:txBody>
+          <a:bodyPr wrap="square">
+            <a:spAutoFit/>
+          </a:bodyPr>
+          <a:lstStyle/>
+          <a:p>
+            <a:r>
+              <a:rPr lang="en-US" dirty="0"/>
+              <a:t>https://www1.grc.nasa.gov/beginners-guide-to-aeronautics/pitot-static-tube-speedometer/</a:t>
+            </a:r>
           </a:p>
         </p:txBody>
       </p:sp>
@@ -3660,6 +3891,86 @@
     <p:extLst>
       <p:ext uri="{BB962C8B-B14F-4D97-AF65-F5344CB8AC3E}">
         <p14:creationId xmlns:p14="http://schemas.microsoft.com/office/powerpoint/2010/main" val="4040071769"/>
+      </p:ext>
+    </p:extLst>
+  </p:cSld>
+  <p:clrMapOvr>
+    <a:masterClrMapping/>
+  </p:clrMapOvr>
+</p:sld>
+</file>
+
+<file path=ppt/slides/slide4.xml><?xml version="1.0" encoding="utf-8"?>
+<p:sld xmlns:a="http://schemas.openxmlformats.org/drawingml/2006/main" xmlns:r="http://schemas.openxmlformats.org/officeDocument/2006/relationships" xmlns:p="http://schemas.openxmlformats.org/presentationml/2006/main">
+  <p:cSld>
+    <p:spTree>
+      <p:nvGrpSpPr>
+        <p:cNvPr id="1" name=""/>
+        <p:cNvGrpSpPr/>
+        <p:nvPr/>
+      </p:nvGrpSpPr>
+      <p:grpSpPr>
+        <a:xfrm>
+          <a:off x="0" y="0"/>
+          <a:ext cx="0" cy="0"/>
+          <a:chOff x="0" y="0"/>
+          <a:chExt cx="0" cy="0"/>
+        </a:xfrm>
+      </p:grpSpPr>
+      <p:sp>
+        <p:nvSpPr>
+          <p:cNvPr id="2" name="Title 1">
+            <a:extLst>
+              <a:ext uri="{FF2B5EF4-FFF2-40B4-BE49-F238E27FC236}">
+                <a16:creationId xmlns:a16="http://schemas.microsoft.com/office/drawing/2014/main" id="{24E3122D-9411-2D1F-09A2-CB4F84BF02D4}"/>
+              </a:ext>
+            </a:extLst>
+          </p:cNvPr>
+          <p:cNvSpPr>
+            <a:spLocks noGrp="1"/>
+          </p:cNvSpPr>
+          <p:nvPr>
+            <p:ph type="title"/>
+          </p:nvPr>
+        </p:nvSpPr>
+        <p:spPr/>
+        <p:txBody>
+          <a:bodyPr/>
+          <a:lstStyle/>
+          <a:p>
+            <a:endParaRPr lang="en-US" dirty="0"/>
+          </a:p>
+        </p:txBody>
+      </p:sp>
+      <p:sp>
+        <p:nvSpPr>
+          <p:cNvPr id="3" name="Content Placeholder 2">
+            <a:extLst>
+              <a:ext uri="{FF2B5EF4-FFF2-40B4-BE49-F238E27FC236}">
+                <a16:creationId xmlns:a16="http://schemas.microsoft.com/office/drawing/2014/main" id="{F200EC28-DC58-A4D5-F4DD-17762B578B17}"/>
+              </a:ext>
+            </a:extLst>
+          </p:cNvPr>
+          <p:cNvSpPr>
+            <a:spLocks noGrp="1"/>
+          </p:cNvSpPr>
+          <p:nvPr>
+            <p:ph idx="1"/>
+          </p:nvPr>
+        </p:nvSpPr>
+        <p:spPr/>
+        <p:txBody>
+          <a:bodyPr/>
+          <a:lstStyle/>
+          <a:p>
+            <a:endParaRPr lang="en-US"/>
+          </a:p>
+        </p:txBody>
+      </p:sp>
+    </p:spTree>
+    <p:extLst>
+      <p:ext uri="{BB962C8B-B14F-4D97-AF65-F5344CB8AC3E}">
+        <p14:creationId xmlns:p14="http://schemas.microsoft.com/office/powerpoint/2010/main" val="3933805296"/>
       </p:ext>
     </p:extLst>
   </p:cSld>
